--- a/Analitica Web/AnaliticaWeb-Markov.pptx
+++ b/Analitica Web/AnaliticaWeb-Markov.pptx
@@ -6,6 +6,7 @@
   </p:sldMasterIdLst>
   <p:sldIdLst>
     <p:sldId id="256" r:id="rId2"/>
+    <p:sldId id="257" r:id="rId3"/>
   </p:sldIdLst>
   <p:sldSz cx="12192000" cy="6858000"/>
   <p:notesSz cx="6858000" cy="9144000"/>
@@ -272,7 +273,7 @@
           <a:p>
             <a:fld id="{F9C4DF3F-473C-4241-BBDF-B1A5FFCE87AC}" type="datetimeFigureOut">
               <a:rPr lang="en-ES" smtClean="0"/>
-              <a:t>14/4/24</a:t>
+              <a:t>16/4/24</a:t>
             </a:fld>
             <a:endParaRPr lang="en-ES"/>
           </a:p>
@@ -472,7 +473,7 @@
           <a:p>
             <a:fld id="{F9C4DF3F-473C-4241-BBDF-B1A5FFCE87AC}" type="datetimeFigureOut">
               <a:rPr lang="en-ES" smtClean="0"/>
-              <a:t>14/4/24</a:t>
+              <a:t>16/4/24</a:t>
             </a:fld>
             <a:endParaRPr lang="en-ES"/>
           </a:p>
@@ -682,7 +683,7 @@
           <a:p>
             <a:fld id="{F9C4DF3F-473C-4241-BBDF-B1A5FFCE87AC}" type="datetimeFigureOut">
               <a:rPr lang="en-ES" smtClean="0"/>
-              <a:t>14/4/24</a:t>
+              <a:t>16/4/24</a:t>
             </a:fld>
             <a:endParaRPr lang="en-ES"/>
           </a:p>
@@ -882,7 +883,7 @@
           <a:p>
             <a:fld id="{F9C4DF3F-473C-4241-BBDF-B1A5FFCE87AC}" type="datetimeFigureOut">
               <a:rPr lang="en-ES" smtClean="0"/>
-              <a:t>14/4/24</a:t>
+              <a:t>16/4/24</a:t>
             </a:fld>
             <a:endParaRPr lang="en-ES"/>
           </a:p>
@@ -1158,7 +1159,7 @@
           <a:p>
             <a:fld id="{F9C4DF3F-473C-4241-BBDF-B1A5FFCE87AC}" type="datetimeFigureOut">
               <a:rPr lang="en-ES" smtClean="0"/>
-              <a:t>14/4/24</a:t>
+              <a:t>16/4/24</a:t>
             </a:fld>
             <a:endParaRPr lang="en-ES"/>
           </a:p>
@@ -1426,7 +1427,7 @@
           <a:p>
             <a:fld id="{F9C4DF3F-473C-4241-BBDF-B1A5FFCE87AC}" type="datetimeFigureOut">
               <a:rPr lang="en-ES" smtClean="0"/>
-              <a:t>14/4/24</a:t>
+              <a:t>16/4/24</a:t>
             </a:fld>
             <a:endParaRPr lang="en-ES"/>
           </a:p>
@@ -1841,7 +1842,7 @@
           <a:p>
             <a:fld id="{F9C4DF3F-473C-4241-BBDF-B1A5FFCE87AC}" type="datetimeFigureOut">
               <a:rPr lang="en-ES" smtClean="0"/>
-              <a:t>14/4/24</a:t>
+              <a:t>16/4/24</a:t>
             </a:fld>
             <a:endParaRPr lang="en-ES"/>
           </a:p>
@@ -1983,7 +1984,7 @@
           <a:p>
             <a:fld id="{F9C4DF3F-473C-4241-BBDF-B1A5FFCE87AC}" type="datetimeFigureOut">
               <a:rPr lang="en-ES" smtClean="0"/>
-              <a:t>14/4/24</a:t>
+              <a:t>16/4/24</a:t>
             </a:fld>
             <a:endParaRPr lang="en-ES"/>
           </a:p>
@@ -2096,7 +2097,7 @@
           <a:p>
             <a:fld id="{F9C4DF3F-473C-4241-BBDF-B1A5FFCE87AC}" type="datetimeFigureOut">
               <a:rPr lang="en-ES" smtClean="0"/>
-              <a:t>14/4/24</a:t>
+              <a:t>16/4/24</a:t>
             </a:fld>
             <a:endParaRPr lang="en-ES"/>
           </a:p>
@@ -2409,7 +2410,7 @@
           <a:p>
             <a:fld id="{F9C4DF3F-473C-4241-BBDF-B1A5FFCE87AC}" type="datetimeFigureOut">
               <a:rPr lang="en-ES" smtClean="0"/>
-              <a:t>14/4/24</a:t>
+              <a:t>16/4/24</a:t>
             </a:fld>
             <a:endParaRPr lang="en-ES"/>
           </a:p>
@@ -2698,7 +2699,7 @@
           <a:p>
             <a:fld id="{F9C4DF3F-473C-4241-BBDF-B1A5FFCE87AC}" type="datetimeFigureOut">
               <a:rPr lang="en-ES" smtClean="0"/>
-              <a:t>14/4/24</a:t>
+              <a:t>16/4/24</a:t>
             </a:fld>
             <a:endParaRPr lang="en-ES"/>
           </a:p>
@@ -2941,7 +2942,7 @@
           <a:p>
             <a:fld id="{F9C4DF3F-473C-4241-BBDF-B1A5FFCE87AC}" type="datetimeFigureOut">
               <a:rPr lang="en-ES" smtClean="0"/>
-              <a:t>14/4/24</a:t>
+              <a:t>16/4/24</a:t>
             </a:fld>
             <a:endParaRPr/>
           </a:p>
@@ -3413,10 +3414,203 @@
           </a:extLst>
         </p:spPr>
       </p:pic>
+      <p:sp>
+        <p:nvSpPr>
+          <p:cNvPr id="2" name="TextBox 1">
+            <a:extLst>
+              <a:ext uri="{FF2B5EF4-FFF2-40B4-BE49-F238E27FC236}">
+                <a16:creationId xmlns:a16="http://schemas.microsoft.com/office/drawing/2014/main" id="{09C7818C-94A1-2FC9-3B1D-D575DE5FBF6C}"/>
+              </a:ext>
+            </a:extLst>
+          </p:cNvPr>
+          <p:cNvSpPr txBox="1"/>
+          <p:nvPr/>
+        </p:nvSpPr>
+        <p:spPr>
+          <a:xfrm>
+            <a:off x="6662057" y="2644170"/>
+            <a:ext cx="4615542" cy="2554545"/>
+          </a:xfrm>
+          <a:prstGeom prst="rect">
+            <a:avLst/>
+          </a:prstGeom>
+          <a:noFill/>
+        </p:spPr>
+        <p:txBody>
+          <a:bodyPr wrap="square" rtlCol="0">
+            <a:spAutoFit/>
+          </a:bodyPr>
+          <a:lstStyle/>
+          <a:p>
+            <a:pPr algn="ctr"/>
+            <a:r>
+              <a:rPr lang="es-ES" sz="3200" dirty="0">
+                <a:solidFill>
+                  <a:schemeClr val="bg1"/>
+                </a:solidFill>
+              </a:rPr>
+              <a:t>Análisis de usuarios mediante cadenas de </a:t>
+            </a:r>
+            <a:r>
+              <a:rPr lang="es-ES" sz="3200" dirty="0" err="1">
+                <a:solidFill>
+                  <a:schemeClr val="bg1"/>
+                </a:solidFill>
+              </a:rPr>
+              <a:t>Markov</a:t>
+            </a:r>
+            <a:r>
+              <a:rPr lang="es-ES" sz="3200" dirty="0">
+                <a:solidFill>
+                  <a:schemeClr val="bg1"/>
+                </a:solidFill>
+              </a:rPr>
+              <a:t>.</a:t>
+            </a:r>
+          </a:p>
+          <a:p>
+            <a:pPr algn="ctr"/>
+            <a:endParaRPr lang="es-ES" sz="3200" dirty="0">
+              <a:solidFill>
+                <a:schemeClr val="bg1"/>
+              </a:solidFill>
+            </a:endParaRPr>
+          </a:p>
+          <a:p>
+            <a:pPr algn="ctr"/>
+            <a:r>
+              <a:rPr lang="es-ES" sz="3200" b="1" dirty="0">
+                <a:solidFill>
+                  <a:schemeClr val="bg1"/>
+                </a:solidFill>
+              </a:rPr>
+              <a:t>Yago Tobio 5º GITT + BA</a:t>
+            </a:r>
+            <a:endParaRPr sz="3200" b="1" dirty="0">
+              <a:solidFill>
+                <a:schemeClr val="bg1"/>
+              </a:solidFill>
+            </a:endParaRPr>
+          </a:p>
+        </p:txBody>
+      </p:sp>
     </p:spTree>
     <p:extLst>
       <p:ext uri="{BB962C8B-B14F-4D97-AF65-F5344CB8AC3E}">
         <p14:creationId xmlns:p14="http://schemas.microsoft.com/office/powerpoint/2010/main" val="3192926379"/>
+      </p:ext>
+    </p:extLst>
+  </p:cSld>
+  <p:clrMapOvr>
+    <a:masterClrMapping/>
+  </p:clrMapOvr>
+</p:sld>
+</file>
+
+<file path=ppt/slides/slide2.xml><?xml version="1.0" encoding="utf-8"?>
+<p:sld xmlns:a="http://schemas.openxmlformats.org/drawingml/2006/main" xmlns:r="http://schemas.openxmlformats.org/officeDocument/2006/relationships" xmlns:p="http://schemas.openxmlformats.org/presentationml/2006/main">
+  <p:cSld>
+    <p:bg>
+      <p:bgPr>
+        <a:solidFill>
+          <a:srgbClr val="0046F8"/>
+        </a:solidFill>
+        <a:effectLst/>
+      </p:bgPr>
+    </p:bg>
+    <p:spTree>
+      <p:nvGrpSpPr>
+        <p:cNvPr id="1" name=""/>
+        <p:cNvGrpSpPr/>
+        <p:nvPr/>
+      </p:nvGrpSpPr>
+      <p:grpSpPr>
+        <a:xfrm>
+          <a:off x="0" y="0"/>
+          <a:ext cx="0" cy="0"/>
+          <a:chOff x="0" y="0"/>
+          <a:chExt cx="0" cy="0"/>
+        </a:xfrm>
+      </p:grpSpPr>
+      <p:pic>
+        <p:nvPicPr>
+          <p:cNvPr id="6" name="Picture 5">
+            <a:extLst>
+              <a:ext uri="{FF2B5EF4-FFF2-40B4-BE49-F238E27FC236}">
+                <a16:creationId xmlns:a16="http://schemas.microsoft.com/office/drawing/2014/main" id="{20160D9C-2A8C-D51C-FA18-1A9A10841A98}"/>
+              </a:ext>
+            </a:extLst>
+          </p:cNvPr>
+          <p:cNvPicPr>
+            <a:picLocks noChangeAspect="1"/>
+          </p:cNvPicPr>
+          <p:nvPr/>
+        </p:nvPicPr>
+        <p:blipFill>
+          <a:blip r:embed="rId2"/>
+          <a:stretch>
+            <a:fillRect/>
+          </a:stretch>
+        </p:blipFill>
+        <p:spPr>
+          <a:xfrm>
+            <a:off x="524137" y="591880"/>
+            <a:ext cx="11143726" cy="4542125"/>
+          </a:xfrm>
+          <a:prstGeom prst="rect">
+            <a:avLst/>
+          </a:prstGeom>
+        </p:spPr>
+      </p:pic>
+      <p:sp>
+        <p:nvSpPr>
+          <p:cNvPr id="7" name="TextBox 6">
+            <a:extLst>
+              <a:ext uri="{FF2B5EF4-FFF2-40B4-BE49-F238E27FC236}">
+                <a16:creationId xmlns:a16="http://schemas.microsoft.com/office/drawing/2014/main" id="{9242E2FA-1B6B-D98C-7B39-899406D5AE6B}"/>
+              </a:ext>
+            </a:extLst>
+          </p:cNvPr>
+          <p:cNvSpPr txBox="1"/>
+          <p:nvPr/>
+        </p:nvSpPr>
+        <p:spPr>
+          <a:xfrm>
+            <a:off x="3788229" y="5681345"/>
+            <a:ext cx="4615542" cy="584775"/>
+          </a:xfrm>
+          <a:prstGeom prst="rect">
+            <a:avLst/>
+          </a:prstGeom>
+          <a:noFill/>
+        </p:spPr>
+        <p:txBody>
+          <a:bodyPr wrap="square" rtlCol="0">
+            <a:spAutoFit/>
+          </a:bodyPr>
+          <a:lstStyle/>
+          <a:p>
+            <a:pPr algn="ctr"/>
+            <a:r>
+              <a:rPr lang="es-ES" sz="3200" dirty="0">
+                <a:solidFill>
+                  <a:schemeClr val="bg1"/>
+                </a:solidFill>
+              </a:rPr>
+              <a:t>GitHub link: </a:t>
+            </a:r>
+            <a:endParaRPr sz="3200" b="1" dirty="0">
+              <a:solidFill>
+                <a:schemeClr val="bg1"/>
+              </a:solidFill>
+            </a:endParaRPr>
+          </a:p>
+        </p:txBody>
+      </p:sp>
+    </p:spTree>
+    <p:extLst>
+      <p:ext uri="{BB962C8B-B14F-4D97-AF65-F5344CB8AC3E}">
+        <p14:creationId xmlns:p14="http://schemas.microsoft.com/office/powerpoint/2010/main" val="1577588365"/>
       </p:ext>
     </p:extLst>
   </p:cSld>

--- a/Analitica Web/AnaliticaWeb-Markov.pptx
+++ b/Analitica Web/AnaliticaWeb-Markov.pptx
@@ -6,7 +6,11 @@
   </p:sldMasterIdLst>
   <p:sldIdLst>
     <p:sldId id="256" r:id="rId2"/>
-    <p:sldId id="257" r:id="rId3"/>
+    <p:sldId id="258" r:id="rId3"/>
+    <p:sldId id="259" r:id="rId4"/>
+    <p:sldId id="257" r:id="rId5"/>
+    <p:sldId id="260" r:id="rId6"/>
+    <p:sldId id="261" r:id="rId7"/>
   </p:sldIdLst>
   <p:sldSz cx="12192000" cy="6858000"/>
   <p:notesSz cx="6858000" cy="9144000"/>
@@ -273,7 +277,7 @@
           <a:p>
             <a:fld id="{F9C4DF3F-473C-4241-BBDF-B1A5FFCE87AC}" type="datetimeFigureOut">
               <a:rPr lang="en-ES" smtClean="0"/>
-              <a:t>16/4/24</a:t>
+              <a:t>17/4/24</a:t>
             </a:fld>
             <a:endParaRPr lang="en-ES"/>
           </a:p>
@@ -473,7 +477,7 @@
           <a:p>
             <a:fld id="{F9C4DF3F-473C-4241-BBDF-B1A5FFCE87AC}" type="datetimeFigureOut">
               <a:rPr lang="en-ES" smtClean="0"/>
-              <a:t>16/4/24</a:t>
+              <a:t>17/4/24</a:t>
             </a:fld>
             <a:endParaRPr lang="en-ES"/>
           </a:p>
@@ -683,7 +687,7 @@
           <a:p>
             <a:fld id="{F9C4DF3F-473C-4241-BBDF-B1A5FFCE87AC}" type="datetimeFigureOut">
               <a:rPr lang="en-ES" smtClean="0"/>
-              <a:t>16/4/24</a:t>
+              <a:t>17/4/24</a:t>
             </a:fld>
             <a:endParaRPr lang="en-ES"/>
           </a:p>
@@ -883,7 +887,7 @@
           <a:p>
             <a:fld id="{F9C4DF3F-473C-4241-BBDF-B1A5FFCE87AC}" type="datetimeFigureOut">
               <a:rPr lang="en-ES" smtClean="0"/>
-              <a:t>16/4/24</a:t>
+              <a:t>17/4/24</a:t>
             </a:fld>
             <a:endParaRPr lang="en-ES"/>
           </a:p>
@@ -1159,7 +1163,7 @@
           <a:p>
             <a:fld id="{F9C4DF3F-473C-4241-BBDF-B1A5FFCE87AC}" type="datetimeFigureOut">
               <a:rPr lang="en-ES" smtClean="0"/>
-              <a:t>16/4/24</a:t>
+              <a:t>17/4/24</a:t>
             </a:fld>
             <a:endParaRPr lang="en-ES"/>
           </a:p>
@@ -1427,7 +1431,7 @@
           <a:p>
             <a:fld id="{F9C4DF3F-473C-4241-BBDF-B1A5FFCE87AC}" type="datetimeFigureOut">
               <a:rPr lang="en-ES" smtClean="0"/>
-              <a:t>16/4/24</a:t>
+              <a:t>17/4/24</a:t>
             </a:fld>
             <a:endParaRPr lang="en-ES"/>
           </a:p>
@@ -1842,7 +1846,7 @@
           <a:p>
             <a:fld id="{F9C4DF3F-473C-4241-BBDF-B1A5FFCE87AC}" type="datetimeFigureOut">
               <a:rPr lang="en-ES" smtClean="0"/>
-              <a:t>16/4/24</a:t>
+              <a:t>17/4/24</a:t>
             </a:fld>
             <a:endParaRPr lang="en-ES"/>
           </a:p>
@@ -1984,7 +1988,7 @@
           <a:p>
             <a:fld id="{F9C4DF3F-473C-4241-BBDF-B1A5FFCE87AC}" type="datetimeFigureOut">
               <a:rPr lang="en-ES" smtClean="0"/>
-              <a:t>16/4/24</a:t>
+              <a:t>17/4/24</a:t>
             </a:fld>
             <a:endParaRPr lang="en-ES"/>
           </a:p>
@@ -2097,7 +2101,7 @@
           <a:p>
             <a:fld id="{F9C4DF3F-473C-4241-BBDF-B1A5FFCE87AC}" type="datetimeFigureOut">
               <a:rPr lang="en-ES" smtClean="0"/>
-              <a:t>16/4/24</a:t>
+              <a:t>17/4/24</a:t>
             </a:fld>
             <a:endParaRPr lang="en-ES"/>
           </a:p>
@@ -2410,7 +2414,7 @@
           <a:p>
             <a:fld id="{F9C4DF3F-473C-4241-BBDF-B1A5FFCE87AC}" type="datetimeFigureOut">
               <a:rPr lang="en-ES" smtClean="0"/>
-              <a:t>16/4/24</a:t>
+              <a:t>17/4/24</a:t>
             </a:fld>
             <a:endParaRPr lang="en-ES"/>
           </a:p>
@@ -2699,7 +2703,7 @@
           <a:p>
             <a:fld id="{F9C4DF3F-473C-4241-BBDF-B1A5FFCE87AC}" type="datetimeFigureOut">
               <a:rPr lang="en-ES" smtClean="0"/>
-              <a:t>16/4/24</a:t>
+              <a:t>17/4/24</a:t>
             </a:fld>
             <a:endParaRPr lang="en-ES"/>
           </a:p>
@@ -2942,7 +2946,7 @@
           <a:p>
             <a:fld id="{F9C4DF3F-473C-4241-BBDF-B1A5FFCE87AC}" type="datetimeFigureOut">
               <a:rPr lang="en-ES" smtClean="0"/>
-              <a:t>16/4/24</a:t>
+              <a:t>17/4/24</a:t>
             </a:fld>
             <a:endParaRPr/>
           </a:p>
@@ -3428,7 +3432,7 @@
         </p:nvSpPr>
         <p:spPr>
           <a:xfrm>
-            <a:off x="6662057" y="2644170"/>
+            <a:off x="6858000" y="2151727"/>
             <a:ext cx="4615542" cy="2554545"/>
           </a:xfrm>
           <a:prstGeom prst="rect">
@@ -3449,7 +3453,39 @@
                   <a:schemeClr val="bg1"/>
                 </a:solidFill>
               </a:rPr>
-              <a:t>Análisis de usuarios mediante cadenas de </a:t>
+              <a:t>Análisis del </a:t>
+            </a:r>
+            <a:r>
+              <a:rPr lang="es-ES" sz="3200" dirty="0" err="1">
+                <a:solidFill>
+                  <a:schemeClr val="bg1"/>
+                </a:solidFill>
+              </a:rPr>
+              <a:t>customer</a:t>
+            </a:r>
+            <a:r>
+              <a:rPr lang="es-ES" sz="3200" dirty="0">
+                <a:solidFill>
+                  <a:schemeClr val="bg1"/>
+                </a:solidFill>
+              </a:rPr>
+              <a:t> </a:t>
+            </a:r>
+            <a:r>
+              <a:rPr lang="es-ES" sz="3200" dirty="0" err="1">
+                <a:solidFill>
+                  <a:schemeClr val="bg1"/>
+                </a:solidFill>
+              </a:rPr>
+              <a:t>journey</a:t>
+            </a:r>
+            <a:r>
+              <a:rPr lang="es-ES" sz="3200" dirty="0">
+                <a:solidFill>
+                  <a:schemeClr val="bg1"/>
+                </a:solidFill>
+              </a:rPr>
+              <a:t> mediante cadenas de </a:t>
             </a:r>
             <a:r>
               <a:rPr lang="es-ES" sz="3200" dirty="0" err="1">
@@ -3532,12 +3568,588 @@
           <a:chExt cx="0" cy="0"/>
         </a:xfrm>
       </p:grpSpPr>
+      <p:sp>
+        <p:nvSpPr>
+          <p:cNvPr id="3" name="TextBox 2">
+            <a:extLst>
+              <a:ext uri="{FF2B5EF4-FFF2-40B4-BE49-F238E27FC236}">
+                <a16:creationId xmlns:a16="http://schemas.microsoft.com/office/drawing/2014/main" id="{465CDD90-685A-003C-C08A-04EA8FA76F0C}"/>
+              </a:ext>
+            </a:extLst>
+          </p:cNvPr>
+          <p:cNvSpPr txBox="1"/>
+          <p:nvPr/>
+        </p:nvSpPr>
+        <p:spPr>
+          <a:xfrm>
+            <a:off x="3788229" y="340974"/>
+            <a:ext cx="4615542" cy="584775"/>
+          </a:xfrm>
+          <a:prstGeom prst="rect">
+            <a:avLst/>
+          </a:prstGeom>
+          <a:noFill/>
+        </p:spPr>
+        <p:txBody>
+          <a:bodyPr wrap="square" rtlCol="0">
+            <a:spAutoFit/>
+          </a:bodyPr>
+          <a:lstStyle/>
+          <a:p>
+            <a:pPr algn="ctr"/>
+            <a:r>
+              <a:rPr lang="es-ES" sz="3200" b="1" dirty="0">
+                <a:solidFill>
+                  <a:schemeClr val="bg1"/>
+                </a:solidFill>
+              </a:rPr>
+              <a:t>Objetivos</a:t>
+            </a:r>
+            <a:endParaRPr sz="3200" b="1" dirty="0">
+              <a:solidFill>
+                <a:schemeClr val="bg1"/>
+              </a:solidFill>
+            </a:endParaRPr>
+          </a:p>
+        </p:txBody>
+      </p:sp>
+      <p:grpSp>
+        <p:nvGrpSpPr>
+          <p:cNvPr id="12" name="Group 11">
+            <a:extLst>
+              <a:ext uri="{FF2B5EF4-FFF2-40B4-BE49-F238E27FC236}">
+                <a16:creationId xmlns:a16="http://schemas.microsoft.com/office/drawing/2014/main" id="{88691389-78B7-DAE7-2E7F-E34CE88A1B52}"/>
+              </a:ext>
+            </a:extLst>
+          </p:cNvPr>
+          <p:cNvGrpSpPr/>
+          <p:nvPr/>
+        </p:nvGrpSpPr>
+        <p:grpSpPr>
+          <a:xfrm>
+            <a:off x="290010" y="1178414"/>
+            <a:ext cx="11611979" cy="4933630"/>
+            <a:chOff x="240632" y="937782"/>
+            <a:chExt cx="11611979" cy="4933630"/>
+          </a:xfrm>
+        </p:grpSpPr>
+        <p:sp>
+          <p:nvSpPr>
+            <p:cNvPr id="9" name="Rounded Rectangle 8">
+              <a:extLst>
+                <a:ext uri="{FF2B5EF4-FFF2-40B4-BE49-F238E27FC236}">
+                  <a16:creationId xmlns:a16="http://schemas.microsoft.com/office/drawing/2014/main" id="{13F99955-067F-4331-7298-A73F31F4A5D1}"/>
+                </a:ext>
+              </a:extLst>
+            </p:cNvPr>
+            <p:cNvSpPr/>
+            <p:nvPr/>
+          </p:nvSpPr>
+          <p:spPr>
+            <a:xfrm>
+              <a:off x="240632" y="937782"/>
+              <a:ext cx="11611979" cy="4933630"/>
+            </a:xfrm>
+            <a:prstGeom prst="roundRect">
+              <a:avLst>
+                <a:gd name="adj" fmla="val 11503"/>
+              </a:avLst>
+            </a:prstGeom>
+            <a:solidFill>
+              <a:schemeClr val="bg1"/>
+            </a:solidFill>
+            <a:ln>
+              <a:solidFill>
+                <a:schemeClr val="bg2">
+                  <a:lumMod val="75000"/>
+                </a:schemeClr>
+              </a:solidFill>
+            </a:ln>
+          </p:spPr>
+          <p:style>
+            <a:lnRef idx="2">
+              <a:schemeClr val="accent1">
+                <a:shade val="15000"/>
+              </a:schemeClr>
+            </a:lnRef>
+            <a:fillRef idx="1">
+              <a:schemeClr val="accent1"/>
+            </a:fillRef>
+            <a:effectRef idx="0">
+              <a:schemeClr val="accent1"/>
+            </a:effectRef>
+            <a:fontRef idx="minor">
+              <a:schemeClr val="lt1"/>
+            </a:fontRef>
+          </p:style>
+          <p:txBody>
+            <a:bodyPr rtlCol="0" anchor="ctr"/>
+            <a:lstStyle/>
+            <a:p>
+              <a:pPr algn="ctr"/>
+              <a:endParaRPr/>
+            </a:p>
+          </p:txBody>
+        </p:sp>
+        <p:sp>
+          <p:nvSpPr>
+            <p:cNvPr id="4" name="TextBox 3">
+              <a:extLst>
+                <a:ext uri="{FF2B5EF4-FFF2-40B4-BE49-F238E27FC236}">
+                  <a16:creationId xmlns:a16="http://schemas.microsoft.com/office/drawing/2014/main" id="{DF632DC1-B300-FEB8-F2AC-53320CFE9876}"/>
+                </a:ext>
+              </a:extLst>
+            </p:cNvPr>
+            <p:cNvSpPr txBox="1"/>
+            <p:nvPr/>
+          </p:nvSpPr>
+          <p:spPr>
+            <a:xfrm>
+              <a:off x="1317958" y="1387730"/>
+              <a:ext cx="10202779" cy="3970318"/>
+            </a:xfrm>
+            <a:prstGeom prst="rect">
+              <a:avLst/>
+            </a:prstGeom>
+            <a:solidFill>
+              <a:schemeClr val="bg1"/>
+            </a:solidFill>
+          </p:spPr>
+          <p:txBody>
+            <a:bodyPr wrap="square" rtlCol="0">
+              <a:spAutoFit/>
+            </a:bodyPr>
+            <a:lstStyle/>
+            <a:p>
+              <a:r>
+                <a:rPr lang="es-ES" sz="2800" dirty="0">
+                  <a:latin typeface="Arial Rounded MT Bold" panose="020F0704030504030204" pitchFamily="34" charset="77"/>
+                  <a:ea typeface="Roboto" panose="02000000000000000000" pitchFamily="2" charset="0"/>
+                  <a:cs typeface="Roboto" panose="02000000000000000000" pitchFamily="2" charset="0"/>
+                </a:rPr>
+                <a:t>Definir una cadena de </a:t>
+              </a:r>
+              <a:r>
+                <a:rPr lang="es-ES" sz="2800" dirty="0" err="1">
+                  <a:latin typeface="Arial Rounded MT Bold" panose="020F0704030504030204" pitchFamily="34" charset="77"/>
+                  <a:ea typeface="Roboto" panose="02000000000000000000" pitchFamily="2" charset="0"/>
+                  <a:cs typeface="Roboto" panose="02000000000000000000" pitchFamily="2" charset="0"/>
+                </a:rPr>
+                <a:t>Markov</a:t>
+              </a:r>
+              <a:r>
+                <a:rPr lang="es-ES" sz="2800" dirty="0">
+                  <a:latin typeface="Arial Rounded MT Bold" panose="020F0704030504030204" pitchFamily="34" charset="77"/>
+                  <a:ea typeface="Roboto" panose="02000000000000000000" pitchFamily="2" charset="0"/>
+                  <a:cs typeface="Roboto" panose="02000000000000000000" pitchFamily="2" charset="0"/>
+                </a:rPr>
+                <a:t> con 4+ estados que  describa el proceso de Lead </a:t>
+              </a:r>
+              <a:r>
+                <a:rPr lang="es-ES" sz="2800" dirty="0" err="1">
+                  <a:latin typeface="Arial Rounded MT Bold" panose="020F0704030504030204" pitchFamily="34" charset="77"/>
+                  <a:ea typeface="Roboto" panose="02000000000000000000" pitchFamily="2" charset="0"/>
+                  <a:cs typeface="Roboto" panose="02000000000000000000" pitchFamily="2" charset="0"/>
+                </a:rPr>
+                <a:t>Nurturing</a:t>
+              </a:r>
+              <a:r>
+                <a:rPr lang="es-ES" sz="2800" dirty="0">
+                  <a:latin typeface="Arial Rounded MT Bold" panose="020F0704030504030204" pitchFamily="34" charset="77"/>
+                  <a:ea typeface="Roboto" panose="02000000000000000000" pitchFamily="2" charset="0"/>
+                  <a:cs typeface="Roboto" panose="02000000000000000000" pitchFamily="2" charset="0"/>
+                </a:rPr>
+                <a:t>. </a:t>
+              </a:r>
+              <a:br>
+                <a:rPr lang="es-ES" sz="2800" dirty="0">
+                  <a:latin typeface="Arial Rounded MT Bold" panose="020F0704030504030204" pitchFamily="34" charset="77"/>
+                  <a:ea typeface="Roboto" panose="02000000000000000000" pitchFamily="2" charset="0"/>
+                  <a:cs typeface="Roboto" panose="02000000000000000000" pitchFamily="2" charset="0"/>
+                </a:rPr>
+              </a:br>
+              <a:endParaRPr lang="es-ES" sz="2800" dirty="0">
+                <a:latin typeface="Arial Rounded MT Bold" panose="020F0704030504030204" pitchFamily="34" charset="77"/>
+                <a:ea typeface="Roboto" panose="02000000000000000000" pitchFamily="2" charset="0"/>
+                <a:cs typeface="Roboto" panose="02000000000000000000" pitchFamily="2" charset="0"/>
+              </a:endParaRPr>
+            </a:p>
+            <a:p>
+              <a:r>
+                <a:rPr lang="es-ES" sz="2800" dirty="0">
+                  <a:latin typeface="Arial Rounded MT Bold" panose="020F0704030504030204" pitchFamily="34" charset="77"/>
+                  <a:ea typeface="Roboto" panose="02000000000000000000" pitchFamily="2" charset="0"/>
+                  <a:cs typeface="Roboto" panose="02000000000000000000" pitchFamily="2" charset="0"/>
+                </a:rPr>
+                <a:t>Diseñar un modelo probabilístico que dependa de la asignación presupuestaria de la empresa. </a:t>
+              </a:r>
+              <a:br>
+                <a:rPr lang="es-ES" sz="2800" dirty="0">
+                  <a:latin typeface="Arial Rounded MT Bold" panose="020F0704030504030204" pitchFamily="34" charset="77"/>
+                  <a:ea typeface="Roboto" panose="02000000000000000000" pitchFamily="2" charset="0"/>
+                  <a:cs typeface="Roboto" panose="02000000000000000000" pitchFamily="2" charset="0"/>
+                </a:rPr>
+              </a:br>
+              <a:endParaRPr lang="es-ES" sz="2800" dirty="0">
+                <a:latin typeface="Arial Rounded MT Bold" panose="020F0704030504030204" pitchFamily="34" charset="77"/>
+                <a:ea typeface="Roboto" panose="02000000000000000000" pitchFamily="2" charset="0"/>
+                <a:cs typeface="Roboto" panose="02000000000000000000" pitchFamily="2" charset="0"/>
+              </a:endParaRPr>
+            </a:p>
+            <a:p>
+              <a:r>
+                <a:rPr lang="es-ES" sz="2800" dirty="0">
+                  <a:latin typeface="Arial Rounded MT Bold" panose="020F0704030504030204" pitchFamily="34" charset="77"/>
+                  <a:ea typeface="Roboto" panose="02000000000000000000" pitchFamily="2" charset="0"/>
+                  <a:cs typeface="Roboto" panose="02000000000000000000" pitchFamily="2" charset="0"/>
+                </a:rPr>
+                <a:t>Escribir el código de Python correspondiente que nos permita hallar la distribución estacionaria y la mejor asignación de presupuesto por fase. </a:t>
+              </a:r>
+            </a:p>
+          </p:txBody>
+        </p:sp>
+        <p:pic>
+          <p:nvPicPr>
+            <p:cNvPr id="5" name="Picture 2" descr="Arc Browser: An ambitious plan to challenge Google with ad-free search -  Design Compass">
+              <a:extLst>
+                <a:ext uri="{FF2B5EF4-FFF2-40B4-BE49-F238E27FC236}">
+                  <a16:creationId xmlns:a16="http://schemas.microsoft.com/office/drawing/2014/main" id="{8DEAD0C4-BBF4-297D-74BB-C41272CC4C1D}"/>
+                </a:ext>
+              </a:extLst>
+            </p:cNvPr>
+            <p:cNvPicPr>
+              <a:picLocks noChangeAspect="1" noChangeArrowheads="1"/>
+            </p:cNvPicPr>
+            <p:nvPr/>
+          </p:nvPicPr>
+          <p:blipFill rotWithShape="1">
+            <a:blip r:embed="rId2">
+              <a:extLst>
+                <a:ext uri="{BEBA8EAE-BF5A-486C-A8C5-ECC9F3942E4B}">
+                  <a14:imgProps xmlns:a14="http://schemas.microsoft.com/office/drawing/2010/main">
+                    <a14:imgLayer r:embed="rId3">
+                      <a14:imgEffect>
+                        <a14:backgroundRemoval t="28283" b="73449" l="30195" r="69156">
+                          <a14:foregroundMark x1="32035" y1="47619" x2="32035" y2="47619"/>
+                          <a14:foregroundMark x1="49892" y1="28427" x2="49892" y2="28427"/>
+                          <a14:foregroundMark x1="30195" y1="47330" x2="30195" y2="47330"/>
+                          <a14:foregroundMark x1="66883" y1="43146" x2="66883" y2="43146"/>
+                          <a14:foregroundMark x1="68182" y1="43579" x2="68182" y2="43579"/>
+                          <a14:foregroundMark x1="69156" y1="44012" x2="69156" y2="44012"/>
+                          <a14:foregroundMark x1="59632" y1="73449" x2="59632" y2="73449"/>
+                        </a14:backgroundRemoval>
+                      </a14:imgEffect>
+                    </a14:imgLayer>
+                  </a14:imgProps>
+                </a:ext>
+                <a:ext uri="{28A0092B-C50C-407E-A947-70E740481C1C}">
+                  <a14:useLocalDpi xmlns:a14="http://schemas.microsoft.com/office/drawing/2010/main" val="0"/>
+                </a:ext>
+              </a:extLst>
+            </a:blip>
+            <a:srcRect l="29569" t="23809" r="29410" b="22222"/>
+            <a:stretch/>
+          </p:blipFill>
+          <p:spPr bwMode="auto">
+            <a:xfrm>
+              <a:off x="665495" y="1387730"/>
+              <a:ext cx="510842" cy="504049"/>
+            </a:xfrm>
+            <a:prstGeom prst="rect">
+              <a:avLst/>
+            </a:prstGeom>
+            <a:noFill/>
+            <a:extLst>
+              <a:ext uri="{909E8E84-426E-40DD-AFC4-6F175D3DCCD1}">
+                <a14:hiddenFill xmlns:a14="http://schemas.microsoft.com/office/drawing/2010/main">
+                  <a:solidFill>
+                    <a:srgbClr val="FFFFFF"/>
+                  </a:solidFill>
+                </a14:hiddenFill>
+              </a:ext>
+            </a:extLst>
+          </p:spPr>
+        </p:pic>
+        <p:pic>
+          <p:nvPicPr>
+            <p:cNvPr id="10" name="Picture 2" descr="Arc Browser: An ambitious plan to challenge Google with ad-free search -  Design Compass">
+              <a:extLst>
+                <a:ext uri="{FF2B5EF4-FFF2-40B4-BE49-F238E27FC236}">
+                  <a16:creationId xmlns:a16="http://schemas.microsoft.com/office/drawing/2014/main" id="{B91397DB-035C-8BC9-4D58-FE2DA26B8E2E}"/>
+                </a:ext>
+              </a:extLst>
+            </p:cNvPr>
+            <p:cNvPicPr>
+              <a:picLocks noChangeAspect="1" noChangeArrowheads="1"/>
+            </p:cNvPicPr>
+            <p:nvPr/>
+          </p:nvPicPr>
+          <p:blipFill rotWithShape="1">
+            <a:blip r:embed="rId2">
+              <a:extLst>
+                <a:ext uri="{BEBA8EAE-BF5A-486C-A8C5-ECC9F3942E4B}">
+                  <a14:imgProps xmlns:a14="http://schemas.microsoft.com/office/drawing/2010/main">
+                    <a14:imgLayer r:embed="rId3">
+                      <a14:imgEffect>
+                        <a14:backgroundRemoval t="28283" b="73449" l="30195" r="69156">
+                          <a14:foregroundMark x1="32035" y1="47619" x2="32035" y2="47619"/>
+                          <a14:foregroundMark x1="49892" y1="28427" x2="49892" y2="28427"/>
+                          <a14:foregroundMark x1="30195" y1="47330" x2="30195" y2="47330"/>
+                          <a14:foregroundMark x1="66883" y1="43146" x2="66883" y2="43146"/>
+                          <a14:foregroundMark x1="68182" y1="43579" x2="68182" y2="43579"/>
+                          <a14:foregroundMark x1="69156" y1="44012" x2="69156" y2="44012"/>
+                          <a14:foregroundMark x1="59632" y1="73449" x2="59632" y2="73449"/>
+                        </a14:backgroundRemoval>
+                      </a14:imgEffect>
+                    </a14:imgLayer>
+                  </a14:imgProps>
+                </a:ext>
+                <a:ext uri="{28A0092B-C50C-407E-A947-70E740481C1C}">
+                  <a14:useLocalDpi xmlns:a14="http://schemas.microsoft.com/office/drawing/2010/main" val="0"/>
+                </a:ext>
+              </a:extLst>
+            </a:blip>
+            <a:srcRect l="29569" t="23809" r="29410" b="22222"/>
+            <a:stretch/>
+          </p:blipFill>
+          <p:spPr bwMode="auto">
+            <a:xfrm>
+              <a:off x="665495" y="2680476"/>
+              <a:ext cx="510842" cy="504049"/>
+            </a:xfrm>
+            <a:prstGeom prst="rect">
+              <a:avLst/>
+            </a:prstGeom>
+            <a:noFill/>
+            <a:extLst>
+              <a:ext uri="{909E8E84-426E-40DD-AFC4-6F175D3DCCD1}">
+                <a14:hiddenFill xmlns:a14="http://schemas.microsoft.com/office/drawing/2010/main">
+                  <a:solidFill>
+                    <a:srgbClr val="FFFFFF"/>
+                  </a:solidFill>
+                </a14:hiddenFill>
+              </a:ext>
+            </a:extLst>
+          </p:spPr>
+        </p:pic>
+        <p:pic>
+          <p:nvPicPr>
+            <p:cNvPr id="11" name="Picture 2" descr="Arc Browser: An ambitious plan to challenge Google with ad-free search -  Design Compass">
+              <a:extLst>
+                <a:ext uri="{FF2B5EF4-FFF2-40B4-BE49-F238E27FC236}">
+                  <a16:creationId xmlns:a16="http://schemas.microsoft.com/office/drawing/2014/main" id="{C7EED527-2FE4-D1B5-0368-2194C277FCA5}"/>
+                </a:ext>
+              </a:extLst>
+            </p:cNvPr>
+            <p:cNvPicPr>
+              <a:picLocks noChangeAspect="1" noChangeArrowheads="1"/>
+            </p:cNvPicPr>
+            <p:nvPr/>
+          </p:nvPicPr>
+          <p:blipFill rotWithShape="1">
+            <a:blip r:embed="rId2">
+              <a:extLst>
+                <a:ext uri="{BEBA8EAE-BF5A-486C-A8C5-ECC9F3942E4B}">
+                  <a14:imgProps xmlns:a14="http://schemas.microsoft.com/office/drawing/2010/main">
+                    <a14:imgLayer r:embed="rId3">
+                      <a14:imgEffect>
+                        <a14:backgroundRemoval t="28283" b="73449" l="30195" r="69156">
+                          <a14:foregroundMark x1="32035" y1="47619" x2="32035" y2="47619"/>
+                          <a14:foregroundMark x1="49892" y1="28427" x2="49892" y2="28427"/>
+                          <a14:foregroundMark x1="30195" y1="47330" x2="30195" y2="47330"/>
+                          <a14:foregroundMark x1="66883" y1="43146" x2="66883" y2="43146"/>
+                          <a14:foregroundMark x1="68182" y1="43579" x2="68182" y2="43579"/>
+                          <a14:foregroundMark x1="69156" y1="44012" x2="69156" y2="44012"/>
+                          <a14:foregroundMark x1="59632" y1="73449" x2="59632" y2="73449"/>
+                        </a14:backgroundRemoval>
+                      </a14:imgEffect>
+                    </a14:imgLayer>
+                  </a14:imgProps>
+                </a:ext>
+                <a:ext uri="{28A0092B-C50C-407E-A947-70E740481C1C}">
+                  <a14:useLocalDpi xmlns:a14="http://schemas.microsoft.com/office/drawing/2010/main" val="0"/>
+                </a:ext>
+              </a:extLst>
+            </a:blip>
+            <a:srcRect l="29569" t="23809" r="29410" b="22222"/>
+            <a:stretch/>
+          </p:blipFill>
+          <p:spPr bwMode="auto">
+            <a:xfrm>
+              <a:off x="665495" y="3973222"/>
+              <a:ext cx="510842" cy="504049"/>
+            </a:xfrm>
+            <a:prstGeom prst="rect">
+              <a:avLst/>
+            </a:prstGeom>
+            <a:noFill/>
+            <a:extLst>
+              <a:ext uri="{909E8E84-426E-40DD-AFC4-6F175D3DCCD1}">
+                <a14:hiddenFill xmlns:a14="http://schemas.microsoft.com/office/drawing/2010/main">
+                  <a:solidFill>
+                    <a:srgbClr val="FFFFFF"/>
+                  </a:solidFill>
+                </a14:hiddenFill>
+              </a:ext>
+            </a:extLst>
+          </p:spPr>
+        </p:pic>
+      </p:grpSp>
+    </p:spTree>
+    <p:extLst>
+      <p:ext uri="{BB962C8B-B14F-4D97-AF65-F5344CB8AC3E}">
+        <p14:creationId xmlns:p14="http://schemas.microsoft.com/office/powerpoint/2010/main" val="3302210172"/>
+      </p:ext>
+    </p:extLst>
+  </p:cSld>
+  <p:clrMapOvr>
+    <a:masterClrMapping/>
+  </p:clrMapOvr>
+</p:sld>
+</file>
+
+<file path=ppt/slides/slide3.xml><?xml version="1.0" encoding="utf-8"?>
+<p:sld xmlns:a="http://schemas.openxmlformats.org/drawingml/2006/main" xmlns:r="http://schemas.openxmlformats.org/officeDocument/2006/relationships" xmlns:p="http://schemas.openxmlformats.org/presentationml/2006/main">
+  <p:cSld>
+    <p:bg>
+      <p:bgPr>
+        <a:solidFill>
+          <a:srgbClr val="0046F8"/>
+        </a:solidFill>
+        <a:effectLst/>
+      </p:bgPr>
+    </p:bg>
+    <p:spTree>
+      <p:nvGrpSpPr>
+        <p:cNvPr id="1" name=""/>
+        <p:cNvGrpSpPr/>
+        <p:nvPr/>
+      </p:nvGrpSpPr>
+      <p:grpSpPr>
+        <a:xfrm>
+          <a:off x="0" y="0"/>
+          <a:ext cx="0" cy="0"/>
+          <a:chOff x="0" y="0"/>
+          <a:chExt cx="0" cy="0"/>
+        </a:xfrm>
+      </p:grpSpPr>
+      <p:sp>
+        <p:nvSpPr>
+          <p:cNvPr id="3" name="TextBox 2">
+            <a:extLst>
+              <a:ext uri="{FF2B5EF4-FFF2-40B4-BE49-F238E27FC236}">
+                <a16:creationId xmlns:a16="http://schemas.microsoft.com/office/drawing/2014/main" id="{465CDD90-685A-003C-C08A-04EA8FA76F0C}"/>
+              </a:ext>
+            </a:extLst>
+          </p:cNvPr>
+          <p:cNvSpPr txBox="1"/>
+          <p:nvPr/>
+        </p:nvSpPr>
+        <p:spPr>
+          <a:xfrm>
+            <a:off x="3788229" y="340974"/>
+            <a:ext cx="4615542" cy="584775"/>
+          </a:xfrm>
+          <a:prstGeom prst="rect">
+            <a:avLst/>
+          </a:prstGeom>
+          <a:noFill/>
+        </p:spPr>
+        <p:txBody>
+          <a:bodyPr wrap="square" rtlCol="0">
+            <a:spAutoFit/>
+          </a:bodyPr>
+          <a:lstStyle/>
+          <a:p>
+            <a:pPr algn="ctr"/>
+            <a:r>
+              <a:rPr lang="es-ES" sz="3200" b="1" dirty="0">
+                <a:solidFill>
+                  <a:schemeClr val="bg1"/>
+                </a:solidFill>
+              </a:rPr>
+              <a:t>Cadena de </a:t>
+            </a:r>
+            <a:r>
+              <a:rPr lang="es-ES" sz="3200" b="1" dirty="0" err="1">
+                <a:solidFill>
+                  <a:schemeClr val="bg1"/>
+                </a:solidFill>
+              </a:rPr>
+              <a:t>Markov</a:t>
+            </a:r>
+            <a:endParaRPr sz="3200" b="1" dirty="0">
+              <a:solidFill>
+                <a:schemeClr val="bg1"/>
+              </a:solidFill>
+            </a:endParaRPr>
+          </a:p>
+        </p:txBody>
+      </p:sp>
+      <p:sp>
+        <p:nvSpPr>
+          <p:cNvPr id="9" name="Rounded Rectangle 8">
+            <a:extLst>
+              <a:ext uri="{FF2B5EF4-FFF2-40B4-BE49-F238E27FC236}">
+                <a16:creationId xmlns:a16="http://schemas.microsoft.com/office/drawing/2014/main" id="{13F99955-067F-4331-7298-A73F31F4A5D1}"/>
+              </a:ext>
+            </a:extLst>
+          </p:cNvPr>
+          <p:cNvSpPr/>
+          <p:nvPr/>
+        </p:nvSpPr>
+        <p:spPr>
+          <a:xfrm>
+            <a:off x="2877553" y="1130287"/>
+            <a:ext cx="6436894" cy="2631256"/>
+          </a:xfrm>
+          <a:prstGeom prst="roundRect">
+            <a:avLst>
+              <a:gd name="adj" fmla="val 11503"/>
+            </a:avLst>
+          </a:prstGeom>
+          <a:solidFill>
+            <a:srgbClr val="F3F3F3"/>
+          </a:solidFill>
+          <a:ln>
+            <a:solidFill>
+              <a:schemeClr val="bg2">
+                <a:lumMod val="75000"/>
+              </a:schemeClr>
+            </a:solidFill>
+          </a:ln>
+        </p:spPr>
+        <p:style>
+          <a:lnRef idx="2">
+            <a:schemeClr val="accent1">
+              <a:shade val="15000"/>
+            </a:schemeClr>
+          </a:lnRef>
+          <a:fillRef idx="1">
+            <a:schemeClr val="accent1"/>
+          </a:fillRef>
+          <a:effectRef idx="0">
+            <a:schemeClr val="accent1"/>
+          </a:effectRef>
+          <a:fontRef idx="minor">
+            <a:schemeClr val="lt1"/>
+          </a:fontRef>
+        </p:style>
+        <p:txBody>
+          <a:bodyPr rtlCol="0" anchor="ctr"/>
+          <a:lstStyle/>
+          <a:p>
+            <a:pPr algn="ctr"/>
+            <a:endParaRPr/>
+          </a:p>
+        </p:txBody>
+      </p:sp>
       <p:pic>
         <p:nvPicPr>
-          <p:cNvPr id="6" name="Picture 5">
-            <a:extLst>
-              <a:ext uri="{FF2B5EF4-FFF2-40B4-BE49-F238E27FC236}">
-                <a16:creationId xmlns:a16="http://schemas.microsoft.com/office/drawing/2014/main" id="{20160D9C-2A8C-D51C-FA18-1A9A10841A98}"/>
+          <p:cNvPr id="6" name="Picture 5" descr="A white background with red text&#10;&#10;Description automatically generated">
+            <a:extLst>
+              <a:ext uri="{FF2B5EF4-FFF2-40B4-BE49-F238E27FC236}">
+                <a16:creationId xmlns:a16="http://schemas.microsoft.com/office/drawing/2014/main" id="{813B8706-52E0-5192-E846-8A5519828237}"/>
               </a:ext>
             </a:extLst>
           </p:cNvPr>
@@ -3554,7 +4166,257 @@
         </p:blipFill>
         <p:spPr>
           <a:xfrm>
-            <a:off x="524137" y="591880"/>
+            <a:off x="3495841" y="1172738"/>
+            <a:ext cx="5396933" cy="2546354"/>
+          </a:xfrm>
+          <a:prstGeom prst="rect">
+            <a:avLst/>
+          </a:prstGeom>
+        </p:spPr>
+      </p:pic>
+      <p:grpSp>
+        <p:nvGrpSpPr>
+          <p:cNvPr id="7" name="Group 6">
+            <a:extLst>
+              <a:ext uri="{FF2B5EF4-FFF2-40B4-BE49-F238E27FC236}">
+                <a16:creationId xmlns:a16="http://schemas.microsoft.com/office/drawing/2014/main" id="{A2534880-94EE-A29D-1BA7-57B0CD9377CA}"/>
+              </a:ext>
+            </a:extLst>
+          </p:cNvPr>
+          <p:cNvGrpSpPr/>
+          <p:nvPr/>
+        </p:nvGrpSpPr>
+        <p:grpSpPr>
+          <a:xfrm>
+            <a:off x="290010" y="3976348"/>
+            <a:ext cx="11611979" cy="2540678"/>
+            <a:chOff x="240632" y="937782"/>
+            <a:chExt cx="11611979" cy="2540678"/>
+          </a:xfrm>
+        </p:grpSpPr>
+        <p:sp>
+          <p:nvSpPr>
+            <p:cNvPr id="8" name="Rounded Rectangle 7">
+              <a:extLst>
+                <a:ext uri="{FF2B5EF4-FFF2-40B4-BE49-F238E27FC236}">
+                  <a16:creationId xmlns:a16="http://schemas.microsoft.com/office/drawing/2014/main" id="{F7D47A98-B61E-169E-6C30-238C13389FBE}"/>
+                </a:ext>
+              </a:extLst>
+            </p:cNvPr>
+            <p:cNvSpPr/>
+            <p:nvPr/>
+          </p:nvSpPr>
+          <p:spPr>
+            <a:xfrm>
+              <a:off x="240632" y="937782"/>
+              <a:ext cx="11611979" cy="2540678"/>
+            </a:xfrm>
+            <a:prstGeom prst="roundRect">
+              <a:avLst>
+                <a:gd name="adj" fmla="val 11503"/>
+              </a:avLst>
+            </a:prstGeom>
+            <a:solidFill>
+              <a:schemeClr val="bg1"/>
+            </a:solidFill>
+            <a:ln>
+              <a:solidFill>
+                <a:schemeClr val="bg2">
+                  <a:lumMod val="75000"/>
+                </a:schemeClr>
+              </a:solidFill>
+            </a:ln>
+          </p:spPr>
+          <p:style>
+            <a:lnRef idx="2">
+              <a:schemeClr val="accent1">
+                <a:shade val="15000"/>
+              </a:schemeClr>
+            </a:lnRef>
+            <a:fillRef idx="1">
+              <a:schemeClr val="accent1"/>
+            </a:fillRef>
+            <a:effectRef idx="0">
+              <a:schemeClr val="accent1"/>
+            </a:effectRef>
+            <a:fontRef idx="minor">
+              <a:schemeClr val="lt1"/>
+            </a:fontRef>
+          </p:style>
+          <p:txBody>
+            <a:bodyPr rtlCol="0" anchor="ctr"/>
+            <a:lstStyle/>
+            <a:p>
+              <a:pPr algn="ctr"/>
+              <a:endParaRPr/>
+            </a:p>
+          </p:txBody>
+        </p:sp>
+        <p:sp>
+          <p:nvSpPr>
+            <p:cNvPr id="13" name="TextBox 12">
+              <a:extLst>
+                <a:ext uri="{FF2B5EF4-FFF2-40B4-BE49-F238E27FC236}">
+                  <a16:creationId xmlns:a16="http://schemas.microsoft.com/office/drawing/2014/main" id="{E9FD3DEC-F244-42B8-0587-572A977DFB80}"/>
+                </a:ext>
+              </a:extLst>
+            </p:cNvPr>
+            <p:cNvSpPr txBox="1"/>
+            <p:nvPr/>
+          </p:nvSpPr>
+          <p:spPr>
+            <a:xfrm>
+              <a:off x="1413084" y="1374373"/>
+              <a:ext cx="10202779" cy="1815882"/>
+            </a:xfrm>
+            <a:prstGeom prst="rect">
+              <a:avLst/>
+            </a:prstGeom>
+            <a:solidFill>
+              <a:schemeClr val="bg1"/>
+            </a:solidFill>
+          </p:spPr>
+          <p:txBody>
+            <a:bodyPr wrap="square" rtlCol="0">
+              <a:spAutoFit/>
+            </a:bodyPr>
+            <a:lstStyle/>
+            <a:p>
+              <a:r>
+                <a:rPr lang="es-ES" sz="2800" dirty="0">
+                  <a:latin typeface="Arial Rounded MT Bold" panose="020F0704030504030204" pitchFamily="34" charset="77"/>
+                  <a:ea typeface="Roboto" panose="02000000000000000000" pitchFamily="2" charset="0"/>
+                  <a:cs typeface="Roboto" panose="02000000000000000000" pitchFamily="2" charset="0"/>
+                </a:rPr>
+                <a:t>Los estados reflejan la trayectoria natural que tiene un usuario desde que descubre Arc, hasta el punto cuando se convierte en su navegador de uso diario (Mínimo 5 días a la semana)</a:t>
+              </a:r>
+            </a:p>
+          </p:txBody>
+        </p:sp>
+        <p:pic>
+          <p:nvPicPr>
+            <p:cNvPr id="14" name="Picture 2" descr="Arc Browser: An ambitious plan to challenge Google with ad-free search -  Design Compass">
+              <a:extLst>
+                <a:ext uri="{FF2B5EF4-FFF2-40B4-BE49-F238E27FC236}">
+                  <a16:creationId xmlns:a16="http://schemas.microsoft.com/office/drawing/2014/main" id="{ED72B922-753D-0CB8-4786-32D43E9A3640}"/>
+                </a:ext>
+              </a:extLst>
+            </p:cNvPr>
+            <p:cNvPicPr>
+              <a:picLocks noChangeAspect="1" noChangeArrowheads="1"/>
+            </p:cNvPicPr>
+            <p:nvPr/>
+          </p:nvPicPr>
+          <p:blipFill rotWithShape="1">
+            <a:blip r:embed="rId3">
+              <a:extLst>
+                <a:ext uri="{BEBA8EAE-BF5A-486C-A8C5-ECC9F3942E4B}">
+                  <a14:imgProps xmlns:a14="http://schemas.microsoft.com/office/drawing/2010/main">
+                    <a14:imgLayer r:embed="rId4">
+                      <a14:imgEffect>
+                        <a14:backgroundRemoval t="28283" b="73449" l="30195" r="69156">
+                          <a14:foregroundMark x1="32035" y1="47619" x2="32035" y2="47619"/>
+                          <a14:foregroundMark x1="49892" y1="28427" x2="49892" y2="28427"/>
+                          <a14:foregroundMark x1="30195" y1="47330" x2="30195" y2="47330"/>
+                          <a14:foregroundMark x1="66883" y1="43146" x2="66883" y2="43146"/>
+                          <a14:foregroundMark x1="68182" y1="43579" x2="68182" y2="43579"/>
+                          <a14:foregroundMark x1="69156" y1="44012" x2="69156" y2="44012"/>
+                          <a14:foregroundMark x1="59632" y1="73449" x2="59632" y2="73449"/>
+                        </a14:backgroundRemoval>
+                      </a14:imgEffect>
+                    </a14:imgLayer>
+                  </a14:imgProps>
+                </a:ext>
+                <a:ext uri="{28A0092B-C50C-407E-A947-70E740481C1C}">
+                  <a14:useLocalDpi xmlns:a14="http://schemas.microsoft.com/office/drawing/2010/main" val="0"/>
+                </a:ext>
+              </a:extLst>
+            </a:blip>
+            <a:srcRect l="29569" t="23809" r="29410" b="22222"/>
+            <a:stretch/>
+          </p:blipFill>
+          <p:spPr bwMode="auto">
+            <a:xfrm>
+              <a:off x="665495" y="1387730"/>
+              <a:ext cx="510842" cy="504049"/>
+            </a:xfrm>
+            <a:prstGeom prst="rect">
+              <a:avLst/>
+            </a:prstGeom>
+            <a:noFill/>
+            <a:extLst>
+              <a:ext uri="{909E8E84-426E-40DD-AFC4-6F175D3DCCD1}">
+                <a14:hiddenFill xmlns:a14="http://schemas.microsoft.com/office/drawing/2010/main">
+                  <a:solidFill>
+                    <a:srgbClr val="FFFFFF"/>
+                  </a:solidFill>
+                </a14:hiddenFill>
+              </a:ext>
+            </a:extLst>
+          </p:spPr>
+        </p:pic>
+      </p:grpSp>
+    </p:spTree>
+    <p:extLst>
+      <p:ext uri="{BB962C8B-B14F-4D97-AF65-F5344CB8AC3E}">
+        <p14:creationId xmlns:p14="http://schemas.microsoft.com/office/powerpoint/2010/main" val="809113031"/>
+      </p:ext>
+    </p:extLst>
+  </p:cSld>
+  <p:clrMapOvr>
+    <a:masterClrMapping/>
+  </p:clrMapOvr>
+</p:sld>
+</file>
+
+<file path=ppt/slides/slide4.xml><?xml version="1.0" encoding="utf-8"?>
+<p:sld xmlns:a="http://schemas.openxmlformats.org/drawingml/2006/main" xmlns:r="http://schemas.openxmlformats.org/officeDocument/2006/relationships" xmlns:p="http://schemas.openxmlformats.org/presentationml/2006/main">
+  <p:cSld>
+    <p:bg>
+      <p:bgPr>
+        <a:solidFill>
+          <a:srgbClr val="0046F8"/>
+        </a:solidFill>
+        <a:effectLst/>
+      </p:bgPr>
+    </p:bg>
+    <p:spTree>
+      <p:nvGrpSpPr>
+        <p:cNvPr id="1" name=""/>
+        <p:cNvGrpSpPr/>
+        <p:nvPr/>
+      </p:nvGrpSpPr>
+      <p:grpSpPr>
+        <a:xfrm>
+          <a:off x="0" y="0"/>
+          <a:ext cx="0" cy="0"/>
+          <a:chOff x="0" y="0"/>
+          <a:chExt cx="0" cy="0"/>
+        </a:xfrm>
+      </p:grpSpPr>
+      <p:pic>
+        <p:nvPicPr>
+          <p:cNvPr id="6" name="Picture 5">
+            <a:extLst>
+              <a:ext uri="{FF2B5EF4-FFF2-40B4-BE49-F238E27FC236}">
+                <a16:creationId xmlns:a16="http://schemas.microsoft.com/office/drawing/2014/main" id="{20160D9C-2A8C-D51C-FA18-1A9A10841A98}"/>
+              </a:ext>
+            </a:extLst>
+          </p:cNvPr>
+          <p:cNvPicPr>
+            <a:picLocks noChangeAspect="1"/>
+          </p:cNvPicPr>
+          <p:nvPr/>
+        </p:nvPicPr>
+        <p:blipFill>
+          <a:blip r:embed="rId2"/>
+          <a:stretch>
+            <a:fillRect/>
+          </a:stretch>
+        </p:blipFill>
+        <p:spPr>
+          <a:xfrm>
+            <a:off x="524137" y="1157937"/>
             <a:ext cx="11143726" cy="4542125"/>
           </a:xfrm>
           <a:prstGeom prst="rect">
@@ -3564,10 +4426,10 @@
       </p:pic>
       <p:sp>
         <p:nvSpPr>
-          <p:cNvPr id="7" name="TextBox 6">
-            <a:extLst>
-              <a:ext uri="{FF2B5EF4-FFF2-40B4-BE49-F238E27FC236}">
-                <a16:creationId xmlns:a16="http://schemas.microsoft.com/office/drawing/2014/main" id="{9242E2FA-1B6B-D98C-7B39-899406D5AE6B}"/>
+          <p:cNvPr id="2" name="TextBox 1">
+            <a:extLst>
+              <a:ext uri="{FF2B5EF4-FFF2-40B4-BE49-F238E27FC236}">
+                <a16:creationId xmlns:a16="http://schemas.microsoft.com/office/drawing/2014/main" id="{EA79156D-726F-BB3F-4F48-952E01CB74E1}"/>
               </a:ext>
             </a:extLst>
           </p:cNvPr>
@@ -3576,7 +4438,7 @@
         </p:nvSpPr>
         <p:spPr>
           <a:xfrm>
-            <a:off x="3788229" y="5681345"/>
+            <a:off x="3788229" y="340974"/>
             <a:ext cx="4615542" cy="584775"/>
           </a:xfrm>
           <a:prstGeom prst="rect">
@@ -3592,12 +4454,20 @@
           <a:p>
             <a:pPr algn="ctr"/>
             <a:r>
-              <a:rPr lang="es-ES" sz="3200" dirty="0">
+              <a:rPr lang="es-ES" sz="3200" b="1" dirty="0">
                 <a:solidFill>
                   <a:schemeClr val="bg1"/>
                 </a:solidFill>
               </a:rPr>
-              <a:t>GitHub link: </a:t>
+              <a:t>Cadena de </a:t>
+            </a:r>
+            <a:r>
+              <a:rPr lang="es-ES" sz="3200" b="1" dirty="0" err="1">
+                <a:solidFill>
+                  <a:schemeClr val="bg1"/>
+                </a:solidFill>
+              </a:rPr>
+              <a:t>Markov</a:t>
             </a:r>
             <a:endParaRPr sz="3200" b="1" dirty="0">
               <a:solidFill>
@@ -3611,6 +4481,844 @@
     <p:extLst>
       <p:ext uri="{BB962C8B-B14F-4D97-AF65-F5344CB8AC3E}">
         <p14:creationId xmlns:p14="http://schemas.microsoft.com/office/powerpoint/2010/main" val="1577588365"/>
+      </p:ext>
+    </p:extLst>
+  </p:cSld>
+  <p:clrMapOvr>
+    <a:masterClrMapping/>
+  </p:clrMapOvr>
+</p:sld>
+</file>
+
+<file path=ppt/slides/slide5.xml><?xml version="1.0" encoding="utf-8"?>
+<p:sld xmlns:a="http://schemas.openxmlformats.org/drawingml/2006/main" xmlns:r="http://schemas.openxmlformats.org/officeDocument/2006/relationships" xmlns:p="http://schemas.openxmlformats.org/presentationml/2006/main">
+  <p:cSld>
+    <p:bg>
+      <p:bgPr>
+        <a:solidFill>
+          <a:srgbClr val="0046F8"/>
+        </a:solidFill>
+        <a:effectLst/>
+      </p:bgPr>
+    </p:bg>
+    <p:spTree>
+      <p:nvGrpSpPr>
+        <p:cNvPr id="1" name=""/>
+        <p:cNvGrpSpPr/>
+        <p:nvPr/>
+      </p:nvGrpSpPr>
+      <p:grpSpPr>
+        <a:xfrm>
+          <a:off x="0" y="0"/>
+          <a:ext cx="0" cy="0"/>
+          <a:chOff x="0" y="0"/>
+          <a:chExt cx="0" cy="0"/>
+        </a:xfrm>
+      </p:grpSpPr>
+      <p:sp>
+        <p:nvSpPr>
+          <p:cNvPr id="3" name="TextBox 2">
+            <a:extLst>
+              <a:ext uri="{FF2B5EF4-FFF2-40B4-BE49-F238E27FC236}">
+                <a16:creationId xmlns:a16="http://schemas.microsoft.com/office/drawing/2014/main" id="{465CDD90-685A-003C-C08A-04EA8FA76F0C}"/>
+              </a:ext>
+            </a:extLst>
+          </p:cNvPr>
+          <p:cNvSpPr txBox="1"/>
+          <p:nvPr/>
+        </p:nvSpPr>
+        <p:spPr>
+          <a:xfrm>
+            <a:off x="3788229" y="174768"/>
+            <a:ext cx="4615542" cy="584775"/>
+          </a:xfrm>
+          <a:prstGeom prst="rect">
+            <a:avLst/>
+          </a:prstGeom>
+          <a:noFill/>
+        </p:spPr>
+        <p:txBody>
+          <a:bodyPr wrap="square" rtlCol="0">
+            <a:spAutoFit/>
+          </a:bodyPr>
+          <a:lstStyle/>
+          <a:p>
+            <a:pPr algn="ctr"/>
+            <a:r>
+              <a:rPr lang="es-ES" sz="3200" b="1" dirty="0">
+                <a:solidFill>
+                  <a:schemeClr val="bg1"/>
+                </a:solidFill>
+              </a:rPr>
+              <a:t>Modelo probabilístico</a:t>
+            </a:r>
+            <a:endParaRPr sz="3200" b="1" dirty="0">
+              <a:solidFill>
+                <a:schemeClr val="bg1"/>
+              </a:solidFill>
+            </a:endParaRPr>
+          </a:p>
+        </p:txBody>
+      </p:sp>
+      <p:sp>
+        <p:nvSpPr>
+          <p:cNvPr id="9" name="Rounded Rectangle 8">
+            <a:extLst>
+              <a:ext uri="{FF2B5EF4-FFF2-40B4-BE49-F238E27FC236}">
+                <a16:creationId xmlns:a16="http://schemas.microsoft.com/office/drawing/2014/main" id="{13F99955-067F-4331-7298-A73F31F4A5D1}"/>
+              </a:ext>
+            </a:extLst>
+          </p:cNvPr>
+          <p:cNvSpPr/>
+          <p:nvPr/>
+        </p:nvSpPr>
+        <p:spPr>
+          <a:xfrm>
+            <a:off x="569782" y="975081"/>
+            <a:ext cx="5526218" cy="5541945"/>
+          </a:xfrm>
+          <a:prstGeom prst="roundRect">
+            <a:avLst>
+              <a:gd name="adj" fmla="val 5207"/>
+            </a:avLst>
+          </a:prstGeom>
+          <a:solidFill>
+            <a:srgbClr val="F3F3F3"/>
+          </a:solidFill>
+          <a:ln>
+            <a:solidFill>
+              <a:schemeClr val="bg2">
+                <a:lumMod val="75000"/>
+              </a:schemeClr>
+            </a:solidFill>
+          </a:ln>
+        </p:spPr>
+        <p:style>
+          <a:lnRef idx="2">
+            <a:schemeClr val="accent1">
+              <a:shade val="15000"/>
+            </a:schemeClr>
+          </a:lnRef>
+          <a:fillRef idx="1">
+            <a:schemeClr val="accent1"/>
+          </a:fillRef>
+          <a:effectRef idx="0">
+            <a:schemeClr val="accent1"/>
+          </a:effectRef>
+          <a:fontRef idx="minor">
+            <a:schemeClr val="lt1"/>
+          </a:fontRef>
+        </p:style>
+        <p:txBody>
+          <a:bodyPr rtlCol="0" anchor="ctr"/>
+          <a:lstStyle/>
+          <a:p>
+            <a:pPr algn="ctr"/>
+            <a:endParaRPr/>
+          </a:p>
+        </p:txBody>
+      </p:sp>
+      <p:sp>
+        <p:nvSpPr>
+          <p:cNvPr id="8" name="Rounded Rectangle 7">
+            <a:extLst>
+              <a:ext uri="{FF2B5EF4-FFF2-40B4-BE49-F238E27FC236}">
+                <a16:creationId xmlns:a16="http://schemas.microsoft.com/office/drawing/2014/main" id="{F7D47A98-B61E-169E-6C30-238C13389FBE}"/>
+              </a:ext>
+            </a:extLst>
+          </p:cNvPr>
+          <p:cNvSpPr/>
+          <p:nvPr/>
+        </p:nvSpPr>
+        <p:spPr>
+          <a:xfrm>
+            <a:off x="6378701" y="951279"/>
+            <a:ext cx="5526218" cy="5541945"/>
+          </a:xfrm>
+          <a:prstGeom prst="roundRect">
+            <a:avLst>
+              <a:gd name="adj" fmla="val 11503"/>
+            </a:avLst>
+          </a:prstGeom>
+          <a:solidFill>
+            <a:schemeClr val="bg1"/>
+          </a:solidFill>
+          <a:ln>
+            <a:solidFill>
+              <a:schemeClr val="bg2">
+                <a:lumMod val="75000"/>
+              </a:schemeClr>
+            </a:solidFill>
+          </a:ln>
+        </p:spPr>
+        <p:style>
+          <a:lnRef idx="2">
+            <a:schemeClr val="accent1">
+              <a:shade val="15000"/>
+            </a:schemeClr>
+          </a:lnRef>
+          <a:fillRef idx="1">
+            <a:schemeClr val="accent1"/>
+          </a:fillRef>
+          <a:effectRef idx="0">
+            <a:schemeClr val="accent1"/>
+          </a:effectRef>
+          <a:fontRef idx="minor">
+            <a:schemeClr val="lt1"/>
+          </a:fontRef>
+        </p:style>
+        <p:txBody>
+          <a:bodyPr rtlCol="0" anchor="ctr"/>
+          <a:lstStyle/>
+          <a:p>
+            <a:pPr algn="ctr"/>
+            <a:endParaRPr/>
+          </a:p>
+        </p:txBody>
+      </p:sp>
+      <p:sp>
+        <p:nvSpPr>
+          <p:cNvPr id="13" name="TextBox 12">
+            <a:extLst>
+              <a:ext uri="{FF2B5EF4-FFF2-40B4-BE49-F238E27FC236}">
+                <a16:creationId xmlns:a16="http://schemas.microsoft.com/office/drawing/2014/main" id="{E9FD3DEC-F244-42B8-0587-572A977DFB80}"/>
+              </a:ext>
+            </a:extLst>
+          </p:cNvPr>
+          <p:cNvSpPr txBox="1"/>
+          <p:nvPr/>
+        </p:nvSpPr>
+        <p:spPr>
+          <a:xfrm>
+            <a:off x="6545203" y="1429956"/>
+            <a:ext cx="5211696" cy="4524315"/>
+          </a:xfrm>
+          <a:prstGeom prst="rect">
+            <a:avLst/>
+          </a:prstGeom>
+          <a:solidFill>
+            <a:schemeClr val="bg1"/>
+          </a:solidFill>
+        </p:spPr>
+        <p:txBody>
+          <a:bodyPr wrap="square" rtlCol="0">
+            <a:spAutoFit/>
+          </a:bodyPr>
+          <a:lstStyle/>
+          <a:p>
+            <a:pPr marL="342900" indent="-342900">
+              <a:buFont typeface="Arial" panose="020B0604020202020204" pitchFamily="34" charset="0"/>
+              <a:buChar char="•"/>
+            </a:pPr>
+            <a:r>
+              <a:rPr lang="es-ES" sz="2400" dirty="0">
+                <a:latin typeface="Arial Rounded MT Bold" panose="020F0704030504030204" pitchFamily="34" charset="77"/>
+                <a:ea typeface="Roboto" panose="02000000000000000000" pitchFamily="2" charset="0"/>
+                <a:cs typeface="Roboto" panose="02000000000000000000" pitchFamily="2" charset="0"/>
+              </a:rPr>
+              <a:t>El modelo se ha implementado en una función de Python generando la matriz de transición a través de un presupuesto con porcentajes dedicados a secciones del </a:t>
+            </a:r>
+            <a:r>
+              <a:rPr lang="es-ES" sz="2400" dirty="0" err="1">
+                <a:latin typeface="Arial Rounded MT Bold" panose="020F0704030504030204" pitchFamily="34" charset="77"/>
+                <a:ea typeface="Roboto" panose="02000000000000000000" pitchFamily="2" charset="0"/>
+                <a:cs typeface="Roboto" panose="02000000000000000000" pitchFamily="2" charset="0"/>
+              </a:rPr>
+              <a:t>funnel</a:t>
+            </a:r>
+            <a:r>
+              <a:rPr lang="es-ES" sz="2400" dirty="0">
+                <a:latin typeface="Arial Rounded MT Bold" panose="020F0704030504030204" pitchFamily="34" charset="77"/>
+                <a:ea typeface="Roboto" panose="02000000000000000000" pitchFamily="2" charset="0"/>
+                <a:cs typeface="Roboto" panose="02000000000000000000" pitchFamily="2" charset="0"/>
+              </a:rPr>
+              <a:t>. </a:t>
+            </a:r>
+          </a:p>
+          <a:p>
+            <a:pPr marL="342900" indent="-342900">
+              <a:buFont typeface="Arial" panose="020B0604020202020204" pitchFamily="34" charset="0"/>
+              <a:buChar char="•"/>
+            </a:pPr>
+            <a:endParaRPr lang="es-ES" sz="2400" dirty="0">
+              <a:latin typeface="Arial Rounded MT Bold" panose="020F0704030504030204" pitchFamily="34" charset="77"/>
+              <a:ea typeface="Roboto" panose="02000000000000000000" pitchFamily="2" charset="0"/>
+              <a:cs typeface="Roboto" panose="02000000000000000000" pitchFamily="2" charset="0"/>
+            </a:endParaRPr>
+          </a:p>
+          <a:p>
+            <a:pPr marL="342900" indent="-342900">
+              <a:buFont typeface="Arial" panose="020B0604020202020204" pitchFamily="34" charset="0"/>
+              <a:buChar char="•"/>
+            </a:pPr>
+            <a:r>
+              <a:rPr lang="es-ES" sz="2400" dirty="0">
+                <a:latin typeface="Arial Rounded MT Bold" panose="020F0704030504030204" pitchFamily="34" charset="77"/>
+                <a:ea typeface="Roboto" panose="02000000000000000000" pitchFamily="2" charset="0"/>
+                <a:cs typeface="Roboto" panose="02000000000000000000" pitchFamily="2" charset="0"/>
+              </a:rPr>
+              <a:t>Tras aplicar esta transición la función se asegura de mitigar los valores negativos y de normalizar cada columna. </a:t>
+            </a:r>
+          </a:p>
+        </p:txBody>
+      </p:sp>
+      <p:pic>
+        <p:nvPicPr>
+          <p:cNvPr id="14" name="Picture 2" descr="Arc Browser: An ambitious plan to challenge Google with ad-free search -  Design Compass">
+            <a:extLst>
+              <a:ext uri="{FF2B5EF4-FFF2-40B4-BE49-F238E27FC236}">
+                <a16:creationId xmlns:a16="http://schemas.microsoft.com/office/drawing/2014/main" id="{ED72B922-753D-0CB8-4786-32D43E9A3640}"/>
+              </a:ext>
+            </a:extLst>
+          </p:cNvPr>
+          <p:cNvPicPr>
+            <a:picLocks noChangeAspect="1" noChangeArrowheads="1"/>
+          </p:cNvPicPr>
+          <p:nvPr/>
+        </p:nvPicPr>
+        <p:blipFill rotWithShape="1">
+          <a:blip r:embed="rId2">
+            <a:extLst>
+              <a:ext uri="{BEBA8EAE-BF5A-486C-A8C5-ECC9F3942E4B}">
+                <a14:imgProps xmlns:a14="http://schemas.microsoft.com/office/drawing/2010/main">
+                  <a14:imgLayer r:embed="rId3">
+                    <a14:imgEffect>
+                      <a14:backgroundRemoval t="28283" b="73449" l="30195" r="69156">
+                        <a14:foregroundMark x1="32035" y1="47619" x2="32035" y2="47619"/>
+                        <a14:foregroundMark x1="49892" y1="28427" x2="49892" y2="28427"/>
+                        <a14:foregroundMark x1="30195" y1="47330" x2="30195" y2="47330"/>
+                        <a14:foregroundMark x1="66883" y1="43146" x2="66883" y2="43146"/>
+                        <a14:foregroundMark x1="68182" y1="43579" x2="68182" y2="43579"/>
+                        <a14:foregroundMark x1="69156" y1="44012" x2="69156" y2="44012"/>
+                        <a14:foregroundMark x1="59632" y1="73449" x2="59632" y2="73449"/>
+                      </a14:backgroundRemoval>
+                    </a14:imgEffect>
+                  </a14:imgLayer>
+                </a14:imgProps>
+              </a:ext>
+              <a:ext uri="{28A0092B-C50C-407E-A947-70E740481C1C}">
+                <a14:useLocalDpi xmlns:a14="http://schemas.microsoft.com/office/drawing/2010/main" val="0"/>
+              </a:ext>
+            </a:extLst>
+          </a:blip>
+          <a:srcRect l="29569" t="23809" r="29410" b="22222"/>
+          <a:stretch/>
+        </p:blipFill>
+        <p:spPr bwMode="auto">
+          <a:xfrm>
+            <a:off x="6545203" y="1429956"/>
+            <a:ext cx="411029" cy="405563"/>
+          </a:xfrm>
+          <a:prstGeom prst="rect">
+            <a:avLst/>
+          </a:prstGeom>
+          <a:noFill/>
+          <a:extLst>
+            <a:ext uri="{909E8E84-426E-40DD-AFC4-6F175D3DCCD1}">
+              <a14:hiddenFill xmlns:a14="http://schemas.microsoft.com/office/drawing/2010/main">
+                <a:solidFill>
+                  <a:srgbClr val="FFFFFF"/>
+                </a:solidFill>
+              </a14:hiddenFill>
+            </a:ext>
+          </a:extLst>
+        </p:spPr>
+      </p:pic>
+      <p:pic>
+        <p:nvPicPr>
+          <p:cNvPr id="4" name="Picture 3" descr="A screenshot of a computer program&#10;&#10;Description automatically generated">
+            <a:extLst>
+              <a:ext uri="{FF2B5EF4-FFF2-40B4-BE49-F238E27FC236}">
+                <a16:creationId xmlns:a16="http://schemas.microsoft.com/office/drawing/2014/main" id="{7EA8B5A8-9196-FBC2-CDE3-A9E0C1CAC70C}"/>
+              </a:ext>
+            </a:extLst>
+          </p:cNvPr>
+          <p:cNvPicPr>
+            <a:picLocks noChangeAspect="1"/>
+          </p:cNvPicPr>
+          <p:nvPr/>
+        </p:nvPicPr>
+        <p:blipFill rotWithShape="1">
+          <a:blip r:embed="rId4"/>
+          <a:srcRect r="798"/>
+          <a:stretch/>
+        </p:blipFill>
+        <p:spPr>
+          <a:xfrm>
+            <a:off x="852483" y="998882"/>
+            <a:ext cx="4879394" cy="5494342"/>
+          </a:xfrm>
+          <a:prstGeom prst="rect">
+            <a:avLst/>
+          </a:prstGeom>
+        </p:spPr>
+      </p:pic>
+      <p:pic>
+        <p:nvPicPr>
+          <p:cNvPr id="5" name="Picture 2" descr="Arc Browser: An ambitious plan to challenge Google with ad-free search -  Design Compass">
+            <a:extLst>
+              <a:ext uri="{FF2B5EF4-FFF2-40B4-BE49-F238E27FC236}">
+                <a16:creationId xmlns:a16="http://schemas.microsoft.com/office/drawing/2014/main" id="{9B960C55-799A-F023-6D01-C4776A755BAE}"/>
+              </a:ext>
+            </a:extLst>
+          </p:cNvPr>
+          <p:cNvPicPr>
+            <a:picLocks noChangeAspect="1" noChangeArrowheads="1"/>
+          </p:cNvPicPr>
+          <p:nvPr/>
+        </p:nvPicPr>
+        <p:blipFill rotWithShape="1">
+          <a:blip r:embed="rId2">
+            <a:extLst>
+              <a:ext uri="{BEBA8EAE-BF5A-486C-A8C5-ECC9F3942E4B}">
+                <a14:imgProps xmlns:a14="http://schemas.microsoft.com/office/drawing/2010/main">
+                  <a14:imgLayer r:embed="rId3">
+                    <a14:imgEffect>
+                      <a14:backgroundRemoval t="28283" b="73449" l="30195" r="69156">
+                        <a14:foregroundMark x1="32035" y1="47619" x2="32035" y2="47619"/>
+                        <a14:foregroundMark x1="49892" y1="28427" x2="49892" y2="28427"/>
+                        <a14:foregroundMark x1="30195" y1="47330" x2="30195" y2="47330"/>
+                        <a14:foregroundMark x1="66883" y1="43146" x2="66883" y2="43146"/>
+                        <a14:foregroundMark x1="68182" y1="43579" x2="68182" y2="43579"/>
+                        <a14:foregroundMark x1="69156" y1="44012" x2="69156" y2="44012"/>
+                        <a14:foregroundMark x1="59632" y1="73449" x2="59632" y2="73449"/>
+                      </a14:backgroundRemoval>
+                    </a14:imgEffect>
+                  </a14:imgLayer>
+                </a14:imgProps>
+              </a:ext>
+              <a:ext uri="{28A0092B-C50C-407E-A947-70E740481C1C}">
+                <a14:useLocalDpi xmlns:a14="http://schemas.microsoft.com/office/drawing/2010/main" val="0"/>
+              </a:ext>
+            </a:extLst>
+          </a:blip>
+          <a:srcRect l="29569" t="23809" r="29410" b="22222"/>
+          <a:stretch/>
+        </p:blipFill>
+        <p:spPr bwMode="auto">
+          <a:xfrm>
+            <a:off x="6542422" y="4421351"/>
+            <a:ext cx="411029" cy="405563"/>
+          </a:xfrm>
+          <a:prstGeom prst="rect">
+            <a:avLst/>
+          </a:prstGeom>
+          <a:noFill/>
+          <a:extLst>
+            <a:ext uri="{909E8E84-426E-40DD-AFC4-6F175D3DCCD1}">
+              <a14:hiddenFill xmlns:a14="http://schemas.microsoft.com/office/drawing/2010/main">
+                <a:solidFill>
+                  <a:srgbClr val="FFFFFF"/>
+                </a:solidFill>
+              </a14:hiddenFill>
+            </a:ext>
+          </a:extLst>
+        </p:spPr>
+      </p:pic>
+    </p:spTree>
+    <p:extLst>
+      <p:ext uri="{BB962C8B-B14F-4D97-AF65-F5344CB8AC3E}">
+        <p14:creationId xmlns:p14="http://schemas.microsoft.com/office/powerpoint/2010/main" val="670689480"/>
+      </p:ext>
+    </p:extLst>
+  </p:cSld>
+  <p:clrMapOvr>
+    <a:masterClrMapping/>
+  </p:clrMapOvr>
+</p:sld>
+</file>
+
+<file path=ppt/slides/slide6.xml><?xml version="1.0" encoding="utf-8"?>
+<p:sld xmlns:a="http://schemas.openxmlformats.org/drawingml/2006/main" xmlns:r="http://schemas.openxmlformats.org/officeDocument/2006/relationships" xmlns:p="http://schemas.openxmlformats.org/presentationml/2006/main">
+  <p:cSld>
+    <p:bg>
+      <p:bgPr>
+        <a:solidFill>
+          <a:srgbClr val="0046F8"/>
+        </a:solidFill>
+        <a:effectLst/>
+      </p:bgPr>
+    </p:bg>
+    <p:spTree>
+      <p:nvGrpSpPr>
+        <p:cNvPr id="1" name=""/>
+        <p:cNvGrpSpPr/>
+        <p:nvPr/>
+      </p:nvGrpSpPr>
+      <p:grpSpPr>
+        <a:xfrm>
+          <a:off x="0" y="0"/>
+          <a:ext cx="0" cy="0"/>
+          <a:chOff x="0" y="0"/>
+          <a:chExt cx="0" cy="0"/>
+        </a:xfrm>
+      </p:grpSpPr>
+      <p:sp>
+        <p:nvSpPr>
+          <p:cNvPr id="3" name="TextBox 2">
+            <a:extLst>
+              <a:ext uri="{FF2B5EF4-FFF2-40B4-BE49-F238E27FC236}">
+                <a16:creationId xmlns:a16="http://schemas.microsoft.com/office/drawing/2014/main" id="{465CDD90-685A-003C-C08A-04EA8FA76F0C}"/>
+              </a:ext>
+            </a:extLst>
+          </p:cNvPr>
+          <p:cNvSpPr txBox="1"/>
+          <p:nvPr/>
+        </p:nvSpPr>
+        <p:spPr>
+          <a:xfrm>
+            <a:off x="3788229" y="340974"/>
+            <a:ext cx="4615542" cy="584775"/>
+          </a:xfrm>
+          <a:prstGeom prst="rect">
+            <a:avLst/>
+          </a:prstGeom>
+          <a:noFill/>
+        </p:spPr>
+        <p:txBody>
+          <a:bodyPr wrap="square" rtlCol="0">
+            <a:spAutoFit/>
+          </a:bodyPr>
+          <a:lstStyle/>
+          <a:p>
+            <a:pPr algn="ctr"/>
+            <a:r>
+              <a:rPr lang="es-ES" sz="3200" b="1" dirty="0">
+                <a:solidFill>
+                  <a:schemeClr val="bg1"/>
+                </a:solidFill>
+              </a:rPr>
+              <a:t>Resultados</a:t>
+            </a:r>
+            <a:endParaRPr sz="3200" b="1" dirty="0">
+              <a:solidFill>
+                <a:schemeClr val="bg1"/>
+              </a:solidFill>
+            </a:endParaRPr>
+          </a:p>
+        </p:txBody>
+      </p:sp>
+      <p:sp>
+        <p:nvSpPr>
+          <p:cNvPr id="9" name="Rounded Rectangle 8">
+            <a:extLst>
+              <a:ext uri="{FF2B5EF4-FFF2-40B4-BE49-F238E27FC236}">
+                <a16:creationId xmlns:a16="http://schemas.microsoft.com/office/drawing/2014/main" id="{13F99955-067F-4331-7298-A73F31F4A5D1}"/>
+              </a:ext>
+            </a:extLst>
+          </p:cNvPr>
+          <p:cNvSpPr/>
+          <p:nvPr/>
+        </p:nvSpPr>
+        <p:spPr>
+          <a:xfrm>
+            <a:off x="2877553" y="1130287"/>
+            <a:ext cx="6436894" cy="2631256"/>
+          </a:xfrm>
+          <a:prstGeom prst="roundRect">
+            <a:avLst>
+              <a:gd name="adj" fmla="val 11503"/>
+            </a:avLst>
+          </a:prstGeom>
+          <a:solidFill>
+            <a:schemeClr val="bg1"/>
+          </a:solidFill>
+          <a:ln>
+            <a:solidFill>
+              <a:schemeClr val="bg2">
+                <a:lumMod val="75000"/>
+              </a:schemeClr>
+            </a:solidFill>
+          </a:ln>
+        </p:spPr>
+        <p:style>
+          <a:lnRef idx="2">
+            <a:schemeClr val="accent1">
+              <a:shade val="15000"/>
+            </a:schemeClr>
+          </a:lnRef>
+          <a:fillRef idx="1">
+            <a:schemeClr val="accent1"/>
+          </a:fillRef>
+          <a:effectRef idx="0">
+            <a:schemeClr val="accent1"/>
+          </a:effectRef>
+          <a:fontRef idx="minor">
+            <a:schemeClr val="lt1"/>
+          </a:fontRef>
+        </p:style>
+        <p:txBody>
+          <a:bodyPr rtlCol="0" anchor="ctr"/>
+          <a:lstStyle/>
+          <a:p>
+            <a:pPr algn="ctr"/>
+            <a:endParaRPr/>
+          </a:p>
+        </p:txBody>
+      </p:sp>
+      <p:pic>
+        <p:nvPicPr>
+          <p:cNvPr id="6" name="Picture 5" descr="A white background with red text&#10;&#10;Description automatically generated">
+            <a:extLst>
+              <a:ext uri="{FF2B5EF4-FFF2-40B4-BE49-F238E27FC236}">
+                <a16:creationId xmlns:a16="http://schemas.microsoft.com/office/drawing/2014/main" id="{813B8706-52E0-5192-E846-8A5519828237}"/>
+              </a:ext>
+            </a:extLst>
+          </p:cNvPr>
+          <p:cNvPicPr>
+            <a:picLocks noChangeAspect="1"/>
+          </p:cNvPicPr>
+          <p:nvPr/>
+        </p:nvPicPr>
+        <p:blipFill>
+          <a:blip r:embed="rId2"/>
+          <a:stretch>
+            <a:fillRect/>
+          </a:stretch>
+        </p:blipFill>
+        <p:spPr>
+          <a:xfrm>
+            <a:off x="3495841" y="1172738"/>
+            <a:ext cx="5396933" cy="2546354"/>
+          </a:xfrm>
+          <a:prstGeom prst="rect">
+            <a:avLst/>
+          </a:prstGeom>
+        </p:spPr>
+      </p:pic>
+      <p:grpSp>
+        <p:nvGrpSpPr>
+          <p:cNvPr id="7" name="Group 6">
+            <a:extLst>
+              <a:ext uri="{FF2B5EF4-FFF2-40B4-BE49-F238E27FC236}">
+                <a16:creationId xmlns:a16="http://schemas.microsoft.com/office/drawing/2014/main" id="{A2534880-94EE-A29D-1BA7-57B0CD9377CA}"/>
+              </a:ext>
+            </a:extLst>
+          </p:cNvPr>
+          <p:cNvGrpSpPr/>
+          <p:nvPr/>
+        </p:nvGrpSpPr>
+        <p:grpSpPr>
+          <a:xfrm>
+            <a:off x="290010" y="3976348"/>
+            <a:ext cx="11611979" cy="2540678"/>
+            <a:chOff x="240632" y="937782"/>
+            <a:chExt cx="11611979" cy="2540678"/>
+          </a:xfrm>
+        </p:grpSpPr>
+        <p:sp>
+          <p:nvSpPr>
+            <p:cNvPr id="8" name="Rounded Rectangle 7">
+              <a:extLst>
+                <a:ext uri="{FF2B5EF4-FFF2-40B4-BE49-F238E27FC236}">
+                  <a16:creationId xmlns:a16="http://schemas.microsoft.com/office/drawing/2014/main" id="{F7D47A98-B61E-169E-6C30-238C13389FBE}"/>
+                </a:ext>
+              </a:extLst>
+            </p:cNvPr>
+            <p:cNvSpPr/>
+            <p:nvPr/>
+          </p:nvSpPr>
+          <p:spPr>
+            <a:xfrm>
+              <a:off x="240632" y="937782"/>
+              <a:ext cx="11611979" cy="2540678"/>
+            </a:xfrm>
+            <a:prstGeom prst="roundRect">
+              <a:avLst>
+                <a:gd name="adj" fmla="val 11503"/>
+              </a:avLst>
+            </a:prstGeom>
+            <a:solidFill>
+              <a:schemeClr val="bg1"/>
+            </a:solidFill>
+            <a:ln>
+              <a:solidFill>
+                <a:schemeClr val="bg2">
+                  <a:lumMod val="75000"/>
+                </a:schemeClr>
+              </a:solidFill>
+            </a:ln>
+          </p:spPr>
+          <p:style>
+            <a:lnRef idx="2">
+              <a:schemeClr val="accent1">
+                <a:shade val="15000"/>
+              </a:schemeClr>
+            </a:lnRef>
+            <a:fillRef idx="1">
+              <a:schemeClr val="accent1"/>
+            </a:fillRef>
+            <a:effectRef idx="0">
+              <a:schemeClr val="accent1"/>
+            </a:effectRef>
+            <a:fontRef idx="minor">
+              <a:schemeClr val="lt1"/>
+            </a:fontRef>
+          </p:style>
+          <p:txBody>
+            <a:bodyPr rtlCol="0" anchor="ctr"/>
+            <a:lstStyle/>
+            <a:p>
+              <a:pPr algn="ctr"/>
+              <a:endParaRPr/>
+            </a:p>
+          </p:txBody>
+        </p:sp>
+        <p:sp>
+          <p:nvSpPr>
+            <p:cNvPr id="13" name="TextBox 12">
+              <a:extLst>
+                <a:ext uri="{FF2B5EF4-FFF2-40B4-BE49-F238E27FC236}">
+                  <a16:creationId xmlns:a16="http://schemas.microsoft.com/office/drawing/2014/main" id="{E9FD3DEC-F244-42B8-0587-572A977DFB80}"/>
+                </a:ext>
+              </a:extLst>
+            </p:cNvPr>
+            <p:cNvSpPr txBox="1"/>
+            <p:nvPr/>
+          </p:nvSpPr>
+          <p:spPr>
+            <a:xfrm>
+              <a:off x="1224970" y="1238625"/>
+              <a:ext cx="10202779" cy="1938992"/>
+            </a:xfrm>
+            <a:prstGeom prst="rect">
+              <a:avLst/>
+            </a:prstGeom>
+            <a:solidFill>
+              <a:schemeClr val="bg1"/>
+            </a:solidFill>
+          </p:spPr>
+          <p:txBody>
+            <a:bodyPr wrap="square" rtlCol="0">
+              <a:spAutoFit/>
+            </a:bodyPr>
+            <a:lstStyle/>
+            <a:p>
+              <a:r>
+                <a:rPr lang="es-ES" sz="2000" dirty="0">
+                  <a:latin typeface="Arial Rounded MT Bold" panose="020F0704030504030204" pitchFamily="34" charset="77"/>
+                  <a:ea typeface="Roboto" panose="02000000000000000000" pitchFamily="2" charset="0"/>
+                  <a:cs typeface="Roboto" panose="02000000000000000000" pitchFamily="2" charset="0"/>
+                </a:rPr>
+                <a:t>Nuestro objetivo era encontrar la matriz estacionaria con el mejor valor en su elemento [5,5] – El estado D5/D7 donde el usuario usa Arc de manera fidelizada. </a:t>
+              </a:r>
+            </a:p>
+            <a:p>
+              <a:endParaRPr lang="es-ES" sz="2000" dirty="0">
+                <a:latin typeface="Arial Rounded MT Bold" panose="020F0704030504030204" pitchFamily="34" charset="77"/>
+                <a:ea typeface="Roboto" panose="02000000000000000000" pitchFamily="2" charset="0"/>
+                <a:cs typeface="Roboto" panose="02000000000000000000" pitchFamily="2" charset="0"/>
+              </a:endParaRPr>
+            </a:p>
+            <a:p>
+              <a:r>
+                <a:rPr lang="es-ES" sz="2000" dirty="0">
+                  <a:latin typeface="Arial Rounded MT Bold" panose="020F0704030504030204" pitchFamily="34" charset="77"/>
+                  <a:ea typeface="Roboto" panose="02000000000000000000" pitchFamily="2" charset="0"/>
+                  <a:cs typeface="Roboto" panose="02000000000000000000" pitchFamily="2" charset="0"/>
+                </a:rPr>
+                <a:t>Se observa en la matriz superior los valores óptimos para la distribución del presupuesto. Indicando que una campaña de Marketing de usuarios mostrando como usan Arc en su día a día sería la más exitosa opción. </a:t>
+              </a:r>
+            </a:p>
+          </p:txBody>
+        </p:sp>
+        <p:pic>
+          <p:nvPicPr>
+            <p:cNvPr id="14" name="Picture 2" descr="Arc Browser: An ambitious plan to challenge Google with ad-free search -  Design Compass">
+              <a:extLst>
+                <a:ext uri="{FF2B5EF4-FFF2-40B4-BE49-F238E27FC236}">
+                  <a16:creationId xmlns:a16="http://schemas.microsoft.com/office/drawing/2014/main" id="{ED72B922-753D-0CB8-4786-32D43E9A3640}"/>
+                </a:ext>
+              </a:extLst>
+            </p:cNvPr>
+            <p:cNvPicPr>
+              <a:picLocks noChangeAspect="1" noChangeArrowheads="1"/>
+            </p:cNvPicPr>
+            <p:nvPr/>
+          </p:nvPicPr>
+          <p:blipFill rotWithShape="1">
+            <a:blip r:embed="rId3">
+              <a:extLst>
+                <a:ext uri="{BEBA8EAE-BF5A-486C-A8C5-ECC9F3942E4B}">
+                  <a14:imgProps xmlns:a14="http://schemas.microsoft.com/office/drawing/2010/main">
+                    <a14:imgLayer r:embed="rId4">
+                      <a14:imgEffect>
+                        <a14:backgroundRemoval t="28283" b="73449" l="30195" r="69156">
+                          <a14:foregroundMark x1="32035" y1="47619" x2="32035" y2="47619"/>
+                          <a14:foregroundMark x1="49892" y1="28427" x2="49892" y2="28427"/>
+                          <a14:foregroundMark x1="30195" y1="47330" x2="30195" y2="47330"/>
+                          <a14:foregroundMark x1="66883" y1="43146" x2="66883" y2="43146"/>
+                          <a14:foregroundMark x1="68182" y1="43579" x2="68182" y2="43579"/>
+                          <a14:foregroundMark x1="69156" y1="44012" x2="69156" y2="44012"/>
+                          <a14:foregroundMark x1="59632" y1="73449" x2="59632" y2="73449"/>
+                        </a14:backgroundRemoval>
+                      </a14:imgEffect>
+                    </a14:imgLayer>
+                  </a14:imgProps>
+                </a:ext>
+                <a:ext uri="{28A0092B-C50C-407E-A947-70E740481C1C}">
+                  <a14:useLocalDpi xmlns:a14="http://schemas.microsoft.com/office/drawing/2010/main" val="0"/>
+                </a:ext>
+              </a:extLst>
+            </a:blip>
+            <a:srcRect l="29569" t="23809" r="29410" b="22222"/>
+            <a:stretch/>
+          </p:blipFill>
+          <p:spPr bwMode="auto">
+            <a:xfrm>
+              <a:off x="665495" y="1126473"/>
+              <a:ext cx="510842" cy="504049"/>
+            </a:xfrm>
+            <a:prstGeom prst="rect">
+              <a:avLst/>
+            </a:prstGeom>
+            <a:noFill/>
+            <a:extLst>
+              <a:ext uri="{909E8E84-426E-40DD-AFC4-6F175D3DCCD1}">
+                <a14:hiddenFill xmlns:a14="http://schemas.microsoft.com/office/drawing/2010/main">
+                  <a:solidFill>
+                    <a:srgbClr val="FFFFFF"/>
+                  </a:solidFill>
+                </a14:hiddenFill>
+              </a:ext>
+            </a:extLst>
+          </p:spPr>
+        </p:pic>
+      </p:grpSp>
+      <p:pic>
+        <p:nvPicPr>
+          <p:cNvPr id="4" name="Picture 3" descr="A white background with black numbers&#10;&#10;Description automatically generated">
+            <a:extLst>
+              <a:ext uri="{FF2B5EF4-FFF2-40B4-BE49-F238E27FC236}">
+                <a16:creationId xmlns:a16="http://schemas.microsoft.com/office/drawing/2014/main" id="{1FD5A10C-834A-DD22-EAD1-2D37C668911C}"/>
+              </a:ext>
+            </a:extLst>
+          </p:cNvPr>
+          <p:cNvPicPr>
+            <a:picLocks noChangeAspect="1"/>
+          </p:cNvPicPr>
+          <p:nvPr/>
+        </p:nvPicPr>
+        <p:blipFill>
+          <a:blip r:embed="rId5"/>
+          <a:stretch>
+            <a:fillRect/>
+          </a:stretch>
+        </p:blipFill>
+        <p:spPr>
+          <a:xfrm>
+            <a:off x="3375479" y="1210126"/>
+            <a:ext cx="5517295" cy="2478017"/>
+          </a:xfrm>
+          <a:prstGeom prst="rect">
+            <a:avLst/>
+          </a:prstGeom>
+        </p:spPr>
+      </p:pic>
+    </p:spTree>
+    <p:extLst>
+      <p:ext uri="{BB962C8B-B14F-4D97-AF65-F5344CB8AC3E}">
+        <p14:creationId xmlns:p14="http://schemas.microsoft.com/office/powerpoint/2010/main" val="657703257"/>
       </p:ext>
     </p:extLst>
   </p:cSld>
